--- a/images/PrincipleArchitecture.pptx
+++ b/images/PrincipleArchitecture.pptx
@@ -104,7 +104,57 @@
       </a:defRPr>
     </a:lvl9pPr>
   </p:defaultTextStyle>
+  <p:extLst>
+    <p:ext uri="{EFAFB233-063F-42B5-8137-9DF3F51BA10A}">
+      <p15:sldGuideLst xmlns:p15="http://schemas.microsoft.com/office/powerpoint/2012/main"/>
+    </p:ext>
+  </p:extLst>
 </p:presentation>
+</file>
+
+<file path=ppt/changesInfos/changesInfo1.xml><?xml version="1.0" encoding="utf-8"?>
+<pc:chgInfo xmlns:a="http://schemas.openxmlformats.org/drawingml/2006/main" xmlns:r="http://schemas.openxmlformats.org/officeDocument/2006/relationships" xmlns:ac="http://schemas.microsoft.com/office/drawing/2013/main/command" xmlns:pc="http://schemas.microsoft.com/office/powerpoint/2013/main/command">
+  <pc:docChgLst>
+    <pc:chgData name="Thomas Stolt" userId="d89bd5ff47ebf7c5" providerId="LiveId" clId="{4E222322-17C9-3847-B24A-B443C0E849D0}"/>
+    <pc:docChg chg="custSel modSld">
+      <pc:chgData name="Thomas Stolt" userId="d89bd5ff47ebf7c5" providerId="LiveId" clId="{4E222322-17C9-3847-B24A-B443C0E849D0}" dt="2023-12-27T11:04:35.686" v="62" actId="1036"/>
+      <pc:docMkLst>
+        <pc:docMk/>
+      </pc:docMkLst>
+      <pc:sldChg chg="delSp modSp mod">
+        <pc:chgData name="Thomas Stolt" userId="d89bd5ff47ebf7c5" providerId="LiveId" clId="{4E222322-17C9-3847-B24A-B443C0E849D0}" dt="2023-12-27T11:04:35.686" v="62" actId="1036"/>
+        <pc:sldMkLst>
+          <pc:docMk/>
+          <pc:sldMk cId="588767186" sldId="256"/>
+        </pc:sldMkLst>
+        <pc:spChg chg="mod">
+          <ac:chgData name="Thomas Stolt" userId="d89bd5ff47ebf7c5" providerId="LiveId" clId="{4E222322-17C9-3847-B24A-B443C0E849D0}" dt="2023-12-27T11:04:29.618" v="39" actId="14100"/>
+          <ac:spMkLst>
+            <pc:docMk/>
+            <pc:sldMk cId="588767186" sldId="256"/>
+            <ac:spMk id="23" creationId="{4990D812-21F1-4ED0-B1C4-1611E2A18E94}"/>
+          </ac:spMkLst>
+        </pc:spChg>
+        <pc:spChg chg="del mod">
+          <ac:chgData name="Thomas Stolt" userId="d89bd5ff47ebf7c5" providerId="LiveId" clId="{4E222322-17C9-3847-B24A-B443C0E849D0}" dt="2023-12-27T11:03:54.882" v="13" actId="478"/>
+          <ac:spMkLst>
+            <pc:docMk/>
+            <pc:sldMk cId="588767186" sldId="256"/>
+            <ac:spMk id="24" creationId="{6DFC86C8-E372-EDD5-B598-E49B52332063}"/>
+          </ac:spMkLst>
+        </pc:spChg>
+        <pc:spChg chg="mod">
+          <ac:chgData name="Thomas Stolt" userId="d89bd5ff47ebf7c5" providerId="LiveId" clId="{4E222322-17C9-3847-B24A-B443C0E849D0}" dt="2023-12-27T11:04:35.686" v="62" actId="1036"/>
+          <ac:spMkLst>
+            <pc:docMk/>
+            <pc:sldMk cId="588767186" sldId="256"/>
+            <ac:spMk id="27" creationId="{04B3B152-AD13-1DC6-4DED-DF4BB5A923F9}"/>
+          </ac:spMkLst>
+        </pc:spChg>
+      </pc:sldChg>
+    </pc:docChg>
+  </pc:docChgLst>
+</pc:chgInfo>
 </file>
 
 <file path=ppt/slideLayouts/slideLayout1.xml><?xml version="1.0" encoding="utf-8"?>
@@ -254,7 +304,7 @@
           <a:p>
             <a:fld id="{22FB68C6-E3E1-6342-8C42-7E14A771502B}" type="datetimeFigureOut">
               <a:rPr lang="de-DE" smtClean="0"/>
-              <a:t>12.12.23</a:t>
+              <a:t>27.12.23</a:t>
             </a:fld>
             <a:endParaRPr lang="de-DE"/>
           </a:p>
@@ -452,7 +502,7 @@
           <a:p>
             <a:fld id="{22FB68C6-E3E1-6342-8C42-7E14A771502B}" type="datetimeFigureOut">
               <a:rPr lang="de-DE" smtClean="0"/>
-              <a:t>12.12.23</a:t>
+              <a:t>27.12.23</a:t>
             </a:fld>
             <a:endParaRPr lang="de-DE"/>
           </a:p>
@@ -660,7 +710,7 @@
           <a:p>
             <a:fld id="{22FB68C6-E3E1-6342-8C42-7E14A771502B}" type="datetimeFigureOut">
               <a:rPr lang="de-DE" smtClean="0"/>
-              <a:t>12.12.23</a:t>
+              <a:t>27.12.23</a:t>
             </a:fld>
             <a:endParaRPr lang="de-DE"/>
           </a:p>
@@ -858,7 +908,7 @@
           <a:p>
             <a:fld id="{22FB68C6-E3E1-6342-8C42-7E14A771502B}" type="datetimeFigureOut">
               <a:rPr lang="de-DE" smtClean="0"/>
-              <a:t>12.12.23</a:t>
+              <a:t>27.12.23</a:t>
             </a:fld>
             <a:endParaRPr lang="de-DE"/>
           </a:p>
@@ -1133,7 +1183,7 @@
           <a:p>
             <a:fld id="{22FB68C6-E3E1-6342-8C42-7E14A771502B}" type="datetimeFigureOut">
               <a:rPr lang="de-DE" smtClean="0"/>
-              <a:t>12.12.23</a:t>
+              <a:t>27.12.23</a:t>
             </a:fld>
             <a:endParaRPr lang="de-DE"/>
           </a:p>
@@ -1398,7 +1448,7 @@
           <a:p>
             <a:fld id="{22FB68C6-E3E1-6342-8C42-7E14A771502B}" type="datetimeFigureOut">
               <a:rPr lang="de-DE" smtClean="0"/>
-              <a:t>12.12.23</a:t>
+              <a:t>27.12.23</a:t>
             </a:fld>
             <a:endParaRPr lang="de-DE"/>
           </a:p>
@@ -1810,7 +1860,7 @@
           <a:p>
             <a:fld id="{22FB68C6-E3E1-6342-8C42-7E14A771502B}" type="datetimeFigureOut">
               <a:rPr lang="de-DE" smtClean="0"/>
-              <a:t>12.12.23</a:t>
+              <a:t>27.12.23</a:t>
             </a:fld>
             <a:endParaRPr lang="de-DE"/>
           </a:p>
@@ -1951,7 +2001,7 @@
           <a:p>
             <a:fld id="{22FB68C6-E3E1-6342-8C42-7E14A771502B}" type="datetimeFigureOut">
               <a:rPr lang="de-DE" smtClean="0"/>
-              <a:t>12.12.23</a:t>
+              <a:t>27.12.23</a:t>
             </a:fld>
             <a:endParaRPr lang="de-DE"/>
           </a:p>
@@ -2064,7 +2114,7 @@
           <a:p>
             <a:fld id="{22FB68C6-E3E1-6342-8C42-7E14A771502B}" type="datetimeFigureOut">
               <a:rPr lang="de-DE" smtClean="0"/>
-              <a:t>12.12.23</a:t>
+              <a:t>27.12.23</a:t>
             </a:fld>
             <a:endParaRPr lang="de-DE"/>
           </a:p>
@@ -2375,7 +2425,7 @@
           <a:p>
             <a:fld id="{22FB68C6-E3E1-6342-8C42-7E14A771502B}" type="datetimeFigureOut">
               <a:rPr lang="de-DE" smtClean="0"/>
-              <a:t>12.12.23</a:t>
+              <a:t>27.12.23</a:t>
             </a:fld>
             <a:endParaRPr lang="de-DE"/>
           </a:p>
@@ -2663,7 +2713,7 @@
           <a:p>
             <a:fld id="{22FB68C6-E3E1-6342-8C42-7E14A771502B}" type="datetimeFigureOut">
               <a:rPr lang="de-DE" smtClean="0"/>
-              <a:t>12.12.23</a:t>
+              <a:t>27.12.23</a:t>
             </a:fld>
             <a:endParaRPr lang="de-DE"/>
           </a:p>
@@ -2904,7 +2954,7 @@
           <a:p>
             <a:fld id="{22FB68C6-E3E1-6342-8C42-7E14A771502B}" type="datetimeFigureOut">
               <a:rPr lang="de-DE" smtClean="0"/>
-              <a:t>12.12.23</a:t>
+              <a:t>27.12.23</a:t>
             </a:fld>
             <a:endParaRPr lang="de-DE"/>
           </a:p>
@@ -3932,8 +3982,8 @@
         </p:nvSpPr>
         <p:spPr>
           <a:xfrm>
-            <a:off x="6646741" y="3590306"/>
-            <a:ext cx="2402665" cy="913349"/>
+            <a:off x="6646741" y="3102428"/>
+            <a:ext cx="2402665" cy="1621972"/>
           </a:xfrm>
           <a:prstGeom prst="flowChartMagneticDisk">
             <a:avLst/>
@@ -3961,63 +4011,20 @@
           <a:p>
             <a:pPr algn="ctr"/>
             <a:r>
+              <a:rPr lang="de-DE" i="1" dirty="0"/>
+              <a:t>MQTT Broker Plugin</a:t>
+            </a:r>
+            <a:br>
+              <a:rPr lang="de-DE" i="1" dirty="0"/>
+            </a:br>
+            <a:br>
+              <a:rPr lang="de-DE" dirty="0"/>
+            </a:br>
+            <a:r>
               <a:rPr lang="de-DE" dirty="0" err="1"/>
               <a:t>ioBroker</a:t>
             </a:r>
             <a:endParaRPr lang="de-DE" dirty="0"/>
-          </a:p>
-        </p:txBody>
-      </p:sp>
-      <p:sp>
-        <p:nvSpPr>
-          <p:cNvPr id="24" name="Magnetplattenspeicher 23">
-            <a:extLst>
-              <a:ext uri="{FF2B5EF4-FFF2-40B4-BE49-F238E27FC236}">
-                <a16:creationId xmlns:a16="http://schemas.microsoft.com/office/drawing/2014/main" id="{6DFC86C8-E372-EDD5-B598-E49B52332063}"/>
-              </a:ext>
-            </a:extLst>
-          </p:cNvPr>
-          <p:cNvSpPr/>
-          <p:nvPr/>
-        </p:nvSpPr>
-        <p:spPr>
-          <a:xfrm>
-            <a:off x="6646740" y="3010561"/>
-            <a:ext cx="2402665" cy="913349"/>
-          </a:xfrm>
-          <a:prstGeom prst="flowChartMagneticDisk">
-            <a:avLst/>
-          </a:prstGeom>
-        </p:spPr>
-        <p:style>
-          <a:lnRef idx="2">
-            <a:schemeClr val="accent1">
-              <a:shade val="15000"/>
-            </a:schemeClr>
-          </a:lnRef>
-          <a:fillRef idx="1">
-            <a:schemeClr val="accent1"/>
-          </a:fillRef>
-          <a:effectRef idx="0">
-            <a:schemeClr val="accent1"/>
-          </a:effectRef>
-          <a:fontRef idx="minor">
-            <a:schemeClr val="lt1"/>
-          </a:fontRef>
-        </p:style>
-        <p:txBody>
-          <a:bodyPr rtlCol="0" anchor="ctr"/>
-          <a:lstStyle/>
-          <a:p>
-            <a:pPr algn="ctr"/>
-            <a:r>
-              <a:rPr lang="de-DE" dirty="0" err="1"/>
-              <a:t>Sonoff</a:t>
-            </a:r>
-            <a:r>
-              <a:rPr lang="de-DE" dirty="0"/>
-              <a:t> Plugin</a:t>
-            </a:r>
           </a:p>
         </p:txBody>
       </p:sp>
@@ -4135,7 +4142,7 @@
         </p:nvSpPr>
         <p:spPr>
           <a:xfrm rot="16200000">
-            <a:off x="6853339" y="5130726"/>
+            <a:off x="6755366" y="5337557"/>
             <a:ext cx="2125192" cy="573865"/>
           </a:xfrm>
           <a:prstGeom prst="rightArrow">

--- a/images/PrincipleArchitecture.pptx
+++ b/images/PrincipleArchitecture.pptx
@@ -112,6 +112,14 @@
 </p:presentation>
 </file>
 
+<file path=ppt/revisionInfo.xml><?xml version="1.0" encoding="utf-8"?>
+<p1510:revInfo xmlns:a="http://schemas.openxmlformats.org/drawingml/2006/main" xmlns:r="http://schemas.openxmlformats.org/officeDocument/2006/relationships" xmlns:p1510="http://schemas.microsoft.com/office/powerpoint/2015/10/main">
+  <p1510:revLst>
+    <p1510:client id="{D820C968-7779-6844-BB14-275B517D3871}" v="11" dt="2024-03-10T21:27:12.773"/>
+  </p1510:revLst>
+</p1510:revInfo>
+</file>
+
 <file path=ppt/changesInfos/changesInfo1.xml><?xml version="1.0" encoding="utf-8"?>
 <pc:chgInfo xmlns:a="http://schemas.openxmlformats.org/drawingml/2006/main" xmlns:r="http://schemas.openxmlformats.org/officeDocument/2006/relationships" xmlns:ac="http://schemas.microsoft.com/office/drawing/2013/main/command" xmlns:pc="http://schemas.microsoft.com/office/powerpoint/2013/main/command">
   <pc:docChgLst>
@@ -154,6 +162,278 @@
       </pc:sldChg>
     </pc:docChg>
   </pc:docChgLst>
+  <pc:docChgLst>
+    <pc:chgData name="Thomas Stolt" userId="d89bd5ff47ebf7c5" providerId="LiveId" clId="{D820C968-7779-6844-BB14-275B517D3871}"/>
+    <pc:docChg chg="custSel modSld">
+      <pc:chgData name="Thomas Stolt" userId="d89bd5ff47ebf7c5" providerId="LiveId" clId="{D820C968-7779-6844-BB14-275B517D3871}" dt="2024-03-10T21:27:41.885" v="112" actId="207"/>
+      <pc:docMkLst>
+        <pc:docMk/>
+      </pc:docMkLst>
+      <pc:sldChg chg="addSp delSp modSp mod setBg">
+        <pc:chgData name="Thomas Stolt" userId="d89bd5ff47ebf7c5" providerId="LiveId" clId="{D820C968-7779-6844-BB14-275B517D3871}" dt="2024-03-10T21:27:41.885" v="112" actId="207"/>
+        <pc:sldMkLst>
+          <pc:docMk/>
+          <pc:sldMk cId="588767186" sldId="256"/>
+        </pc:sldMkLst>
+        <pc:spChg chg="add mod">
+          <ac:chgData name="Thomas Stolt" userId="d89bd5ff47ebf7c5" providerId="LiveId" clId="{D820C968-7779-6844-BB14-275B517D3871}" dt="2024-03-10T21:27:28.504" v="111" actId="207"/>
+          <ac:spMkLst>
+            <pc:docMk/>
+            <pc:sldMk cId="588767186" sldId="256"/>
+            <ac:spMk id="2" creationId="{1DBA3D90-2618-AD01-B0FA-3029C3669B91}"/>
+          </ac:spMkLst>
+        </pc:spChg>
+        <pc:spChg chg="add mod">
+          <ac:chgData name="Thomas Stolt" userId="d89bd5ff47ebf7c5" providerId="LiveId" clId="{D820C968-7779-6844-BB14-275B517D3871}" dt="2024-03-10T21:27:41.885" v="112" actId="207"/>
+          <ac:spMkLst>
+            <pc:docMk/>
+            <pc:sldMk cId="588767186" sldId="256"/>
+            <ac:spMk id="3" creationId="{6318DFDC-F39D-B42A-184D-38D9A2665DCE}"/>
+          </ac:spMkLst>
+        </pc:spChg>
+        <pc:spChg chg="mod">
+          <ac:chgData name="Thomas Stolt" userId="d89bd5ff47ebf7c5" providerId="LiveId" clId="{D820C968-7779-6844-BB14-275B517D3871}" dt="2024-03-10T21:27:28.504" v="111" actId="207"/>
+          <ac:spMkLst>
+            <pc:docMk/>
+            <pc:sldMk cId="588767186" sldId="256"/>
+            <ac:spMk id="14" creationId="{1545D0E2-8781-31B8-ADA1-13A40D17ECCF}"/>
+          </ac:spMkLst>
+        </pc:spChg>
+        <pc:spChg chg="mod">
+          <ac:chgData name="Thomas Stolt" userId="d89bd5ff47ebf7c5" providerId="LiveId" clId="{D820C968-7779-6844-BB14-275B517D3871}" dt="2024-03-10T21:27:28.504" v="111" actId="207"/>
+          <ac:spMkLst>
+            <pc:docMk/>
+            <pc:sldMk cId="588767186" sldId="256"/>
+            <ac:spMk id="16" creationId="{89417379-61CB-DE0B-BB44-7659DB1C38C6}"/>
+          </ac:spMkLst>
+        </pc:spChg>
+        <pc:spChg chg="mod">
+          <ac:chgData name="Thomas Stolt" userId="d89bd5ff47ebf7c5" providerId="LiveId" clId="{D820C968-7779-6844-BB14-275B517D3871}" dt="2024-03-10T21:27:28.504" v="111" actId="207"/>
+          <ac:spMkLst>
+            <pc:docMk/>
+            <pc:sldMk cId="588767186" sldId="256"/>
+            <ac:spMk id="17" creationId="{FD83976A-23F3-59FC-D958-3D4AA6B9BDA9}"/>
+          </ac:spMkLst>
+        </pc:spChg>
+        <pc:spChg chg="mod">
+          <ac:chgData name="Thomas Stolt" userId="d89bd5ff47ebf7c5" providerId="LiveId" clId="{D820C968-7779-6844-BB14-275B517D3871}" dt="2024-03-10T21:27:28.504" v="111" actId="207"/>
+          <ac:spMkLst>
+            <pc:docMk/>
+            <pc:sldMk cId="588767186" sldId="256"/>
+            <ac:spMk id="18" creationId="{E257A5D5-DB2B-CA47-CEFD-DD6D503B2D9C}"/>
+          </ac:spMkLst>
+        </pc:spChg>
+        <pc:spChg chg="del">
+          <ac:chgData name="Thomas Stolt" userId="d89bd5ff47ebf7c5" providerId="LiveId" clId="{D820C968-7779-6844-BB14-275B517D3871}" dt="2024-03-10T21:23:33.858" v="100" actId="478"/>
+          <ac:spMkLst>
+            <pc:docMk/>
+            <pc:sldMk cId="588767186" sldId="256"/>
+            <ac:spMk id="19" creationId="{D0FAB003-A551-3C2B-684C-694A7813831A}"/>
+          </ac:spMkLst>
+        </pc:spChg>
+        <pc:spChg chg="del">
+          <ac:chgData name="Thomas Stolt" userId="d89bd5ff47ebf7c5" providerId="LiveId" clId="{D820C968-7779-6844-BB14-275B517D3871}" dt="2024-03-10T21:23:34.536" v="101" actId="478"/>
+          <ac:spMkLst>
+            <pc:docMk/>
+            <pc:sldMk cId="588767186" sldId="256"/>
+            <ac:spMk id="20" creationId="{AE3BB1D2-BD57-9CD1-E3F9-39469C4BA615}"/>
+          </ac:spMkLst>
+        </pc:spChg>
+        <pc:spChg chg="mod">
+          <ac:chgData name="Thomas Stolt" userId="d89bd5ff47ebf7c5" providerId="LiveId" clId="{D820C968-7779-6844-BB14-275B517D3871}" dt="2024-03-10T21:27:28.504" v="111" actId="207"/>
+          <ac:spMkLst>
+            <pc:docMk/>
+            <pc:sldMk cId="588767186" sldId="256"/>
+            <ac:spMk id="21" creationId="{8E342AD3-41A7-220E-57FA-F36EDAA7406D}"/>
+          </ac:spMkLst>
+        </pc:spChg>
+        <pc:spChg chg="mod">
+          <ac:chgData name="Thomas Stolt" userId="d89bd5ff47ebf7c5" providerId="LiveId" clId="{D820C968-7779-6844-BB14-275B517D3871}" dt="2024-03-10T21:27:41.885" v="112" actId="207"/>
+          <ac:spMkLst>
+            <pc:docMk/>
+            <pc:sldMk cId="588767186" sldId="256"/>
+            <ac:spMk id="23" creationId="{4990D812-21F1-4ED0-B1C4-1611E2A18E94}"/>
+          </ac:spMkLst>
+        </pc:spChg>
+        <pc:spChg chg="add del mod">
+          <ac:chgData name="Thomas Stolt" userId="d89bd5ff47ebf7c5" providerId="LiveId" clId="{D820C968-7779-6844-BB14-275B517D3871}" dt="2024-03-10T21:22:37.166" v="93"/>
+          <ac:spMkLst>
+            <pc:docMk/>
+            <pc:sldMk cId="588767186" sldId="256"/>
+            <ac:spMk id="24" creationId="{679F5364-8704-EE23-411C-B77852737FD6}"/>
+          </ac:spMkLst>
+        </pc:spChg>
+        <pc:spChg chg="mod">
+          <ac:chgData name="Thomas Stolt" userId="d89bd5ff47ebf7c5" providerId="LiveId" clId="{D820C968-7779-6844-BB14-275B517D3871}" dt="2024-03-10T21:27:41.885" v="112" actId="207"/>
+          <ac:spMkLst>
+            <pc:docMk/>
+            <pc:sldMk cId="588767186" sldId="256"/>
+            <ac:spMk id="25" creationId="{112CCA91-C306-A0CF-B80A-FAEC8C52949D}"/>
+          </ac:spMkLst>
+        </pc:spChg>
+        <pc:spChg chg="mod">
+          <ac:chgData name="Thomas Stolt" userId="d89bd5ff47ebf7c5" providerId="LiveId" clId="{D820C968-7779-6844-BB14-275B517D3871}" dt="2024-03-10T21:27:41.885" v="112" actId="207"/>
+          <ac:spMkLst>
+            <pc:docMk/>
+            <pc:sldMk cId="588767186" sldId="256"/>
+            <ac:spMk id="26" creationId="{F30B6720-FF59-4032-4FB6-9A6EA4FE3373}"/>
+          </ac:spMkLst>
+        </pc:spChg>
+        <pc:spChg chg="del">
+          <ac:chgData name="Thomas Stolt" userId="d89bd5ff47ebf7c5" providerId="LiveId" clId="{D820C968-7779-6844-BB14-275B517D3871}" dt="2024-03-10T21:00:59.709" v="38" actId="478"/>
+          <ac:spMkLst>
+            <pc:docMk/>
+            <pc:sldMk cId="588767186" sldId="256"/>
+            <ac:spMk id="27" creationId="{04B3B152-AD13-1DC6-4DED-DF4BB5A923F9}"/>
+          </ac:spMkLst>
+        </pc:spChg>
+        <pc:spChg chg="mod">
+          <ac:chgData name="Thomas Stolt" userId="d89bd5ff47ebf7c5" providerId="LiveId" clId="{D820C968-7779-6844-BB14-275B517D3871}" dt="2024-03-10T21:01:54.654" v="61" actId="13822"/>
+          <ac:spMkLst>
+            <pc:docMk/>
+            <pc:sldMk cId="588767186" sldId="256"/>
+            <ac:spMk id="28" creationId="{9399FA0F-0F91-EBF9-C1AE-A9D0533A27B6}"/>
+          </ac:spMkLst>
+        </pc:spChg>
+        <pc:spChg chg="add mod">
+          <ac:chgData name="Thomas Stolt" userId="d89bd5ff47ebf7c5" providerId="LiveId" clId="{D820C968-7779-6844-BB14-275B517D3871}" dt="2024-03-10T21:27:28.504" v="111" actId="207"/>
+          <ac:spMkLst>
+            <pc:docMk/>
+            <pc:sldMk cId="588767186" sldId="256"/>
+            <ac:spMk id="29" creationId="{63FD6B1B-7569-3DD7-2D47-4084C4803444}"/>
+          </ac:spMkLst>
+        </pc:spChg>
+        <pc:spChg chg="add mod">
+          <ac:chgData name="Thomas Stolt" userId="d89bd5ff47ebf7c5" providerId="LiveId" clId="{D820C968-7779-6844-BB14-275B517D3871}" dt="2024-03-10T21:27:28.504" v="111" actId="207"/>
+          <ac:spMkLst>
+            <pc:docMk/>
+            <pc:sldMk cId="588767186" sldId="256"/>
+            <ac:spMk id="30" creationId="{B0FF461C-9CEA-E98A-52A7-FCDEB2098B57}"/>
+          </ac:spMkLst>
+        </pc:spChg>
+        <pc:picChg chg="del mod">
+          <ac:chgData name="Thomas Stolt" userId="d89bd5ff47ebf7c5" providerId="LiveId" clId="{D820C968-7779-6844-BB14-275B517D3871}" dt="2024-03-10T21:21:46.486" v="73" actId="478"/>
+          <ac:picMkLst>
+            <pc:docMk/>
+            <pc:sldMk cId="588767186" sldId="256"/>
+            <ac:picMk id="5" creationId="{2FCC08BB-3C1F-7E4F-F4CF-8C989B5F4A23}"/>
+          </ac:picMkLst>
+        </pc:picChg>
+        <pc:picChg chg="del">
+          <ac:chgData name="Thomas Stolt" userId="d89bd5ff47ebf7c5" providerId="LiveId" clId="{D820C968-7779-6844-BB14-275B517D3871}" dt="2024-03-10T21:21:52.673" v="77" actId="478"/>
+          <ac:picMkLst>
+            <pc:docMk/>
+            <pc:sldMk cId="588767186" sldId="256"/>
+            <ac:picMk id="6" creationId="{A99F69C8-D606-04EE-13D3-2A6C6AC7DC2E}"/>
+          </ac:picMkLst>
+        </pc:picChg>
+        <pc:picChg chg="del">
+          <ac:chgData name="Thomas Stolt" userId="d89bd5ff47ebf7c5" providerId="LiveId" clId="{D820C968-7779-6844-BB14-275B517D3871}" dt="2024-03-10T21:21:53.304" v="78" actId="478"/>
+          <ac:picMkLst>
+            <pc:docMk/>
+            <pc:sldMk cId="588767186" sldId="256"/>
+            <ac:picMk id="7" creationId="{CB50E212-BB8F-9420-3A4A-7B75476030AA}"/>
+          </ac:picMkLst>
+        </pc:picChg>
+        <pc:picChg chg="del">
+          <ac:chgData name="Thomas Stolt" userId="d89bd5ff47ebf7c5" providerId="LiveId" clId="{D820C968-7779-6844-BB14-275B517D3871}" dt="2024-03-10T21:21:53.905" v="79" actId="478"/>
+          <ac:picMkLst>
+            <pc:docMk/>
+            <pc:sldMk cId="588767186" sldId="256"/>
+            <ac:picMk id="8" creationId="{69785555-62A0-2E30-A165-08E635C82D17}"/>
+          </ac:picMkLst>
+        </pc:picChg>
+        <pc:picChg chg="del">
+          <ac:chgData name="Thomas Stolt" userId="d89bd5ff47ebf7c5" providerId="LiveId" clId="{D820C968-7779-6844-BB14-275B517D3871}" dt="2024-03-10T21:21:54.588" v="80" actId="478"/>
+          <ac:picMkLst>
+            <pc:docMk/>
+            <pc:sldMk cId="588767186" sldId="256"/>
+            <ac:picMk id="9" creationId="{5D9976CB-9095-9FD3-20AE-0BE45885A760}"/>
+          </ac:picMkLst>
+        </pc:picChg>
+        <pc:picChg chg="del">
+          <ac:chgData name="Thomas Stolt" userId="d89bd5ff47ebf7c5" providerId="LiveId" clId="{D820C968-7779-6844-BB14-275B517D3871}" dt="2024-03-10T21:21:55.262" v="81" actId="478"/>
+          <ac:picMkLst>
+            <pc:docMk/>
+            <pc:sldMk cId="588767186" sldId="256"/>
+            <ac:picMk id="10" creationId="{A90EC522-B89F-F4CA-A91A-F86CF01F6A62}"/>
+          </ac:picMkLst>
+        </pc:picChg>
+        <pc:picChg chg="del">
+          <ac:chgData name="Thomas Stolt" userId="d89bd5ff47ebf7c5" providerId="LiveId" clId="{D820C968-7779-6844-BB14-275B517D3871}" dt="2024-03-10T21:21:55.910" v="82" actId="478"/>
+          <ac:picMkLst>
+            <pc:docMk/>
+            <pc:sldMk cId="588767186" sldId="256"/>
+            <ac:picMk id="11" creationId="{BB84B29D-0E2D-172E-40E6-3B521E33C6FD}"/>
+          </ac:picMkLst>
+        </pc:picChg>
+        <pc:picChg chg="add mod">
+          <ac:chgData name="Thomas Stolt" userId="d89bd5ff47ebf7c5" providerId="LiveId" clId="{D820C968-7779-6844-BB14-275B517D3871}" dt="2024-03-10T21:21:59.130" v="83" actId="1076"/>
+          <ac:picMkLst>
+            <pc:docMk/>
+            <pc:sldMk cId="588767186" sldId="256"/>
+            <ac:picMk id="12" creationId="{E555327F-2C22-4CD5-E1AC-3A5DE4AA1A7C}"/>
+          </ac:picMkLst>
+        </pc:picChg>
+        <pc:picChg chg="mod">
+          <ac:chgData name="Thomas Stolt" userId="d89bd5ff47ebf7c5" providerId="LiveId" clId="{D820C968-7779-6844-BB14-275B517D3871}" dt="2024-03-10T21:26:29.121" v="109" actId="14100"/>
+          <ac:picMkLst>
+            <pc:docMk/>
+            <pc:sldMk cId="588767186" sldId="256"/>
+            <ac:picMk id="13" creationId="{6AFD49C1-23B5-4846-96C7-386F51FF5DE2}"/>
+          </ac:picMkLst>
+        </pc:picChg>
+        <pc:picChg chg="add mod">
+          <ac:chgData name="Thomas Stolt" userId="d89bd5ff47ebf7c5" providerId="LiveId" clId="{D820C968-7779-6844-BB14-275B517D3871}" dt="2024-03-10T21:22:25.333" v="90" actId="1076"/>
+          <ac:picMkLst>
+            <pc:docMk/>
+            <pc:sldMk cId="588767186" sldId="256"/>
+            <ac:picMk id="15" creationId="{FB636FA2-ECEC-BD3E-F20B-B4F4B46EC01F}"/>
+          </ac:picMkLst>
+        </pc:picChg>
+        <pc:picChg chg="add mod">
+          <ac:chgData name="Thomas Stolt" userId="d89bd5ff47ebf7c5" providerId="LiveId" clId="{D820C968-7779-6844-BB14-275B517D3871}" dt="2024-03-10T21:22:20.629" v="89" actId="1076"/>
+          <ac:picMkLst>
+            <pc:docMk/>
+            <pc:sldMk cId="588767186" sldId="256"/>
+            <ac:picMk id="22" creationId="{4BC6A5B0-0439-71C0-BECF-CDEB43A6F2DC}"/>
+          </ac:picMkLst>
+        </pc:picChg>
+        <pc:picChg chg="add mod">
+          <ac:chgData name="Thomas Stolt" userId="d89bd5ff47ebf7c5" providerId="LiveId" clId="{D820C968-7779-6844-BB14-275B517D3871}" dt="2024-03-10T21:23:57" v="105" actId="1076"/>
+          <ac:picMkLst>
+            <pc:docMk/>
+            <pc:sldMk cId="588767186" sldId="256"/>
+            <ac:picMk id="31" creationId="{496FDBAD-EAD7-FCEE-2662-7E274E93735D}"/>
+          </ac:picMkLst>
+        </pc:picChg>
+        <pc:picChg chg="add mod">
+          <ac:chgData name="Thomas Stolt" userId="d89bd5ff47ebf7c5" providerId="LiveId" clId="{D820C968-7779-6844-BB14-275B517D3871}" dt="2024-03-10T21:23:57" v="105" actId="1076"/>
+          <ac:picMkLst>
+            <pc:docMk/>
+            <pc:sldMk cId="588767186" sldId="256"/>
+            <ac:picMk id="32" creationId="{B2B69CE7-329B-0F4C-5D06-7CEBB953FBE9}"/>
+          </ac:picMkLst>
+        </pc:picChg>
+        <pc:picChg chg="add mod">
+          <ac:chgData name="Thomas Stolt" userId="d89bd5ff47ebf7c5" providerId="LiveId" clId="{D820C968-7779-6844-BB14-275B517D3871}" dt="2024-03-10T21:24:05.086" v="107" actId="1076"/>
+          <ac:picMkLst>
+            <pc:docMk/>
+            <pc:sldMk cId="588767186" sldId="256"/>
+            <ac:picMk id="33" creationId="{F4927B21-2950-1FC3-737E-906D9FC97EC1}"/>
+          </ac:picMkLst>
+        </pc:picChg>
+        <pc:picChg chg="add mod">
+          <ac:chgData name="Thomas Stolt" userId="d89bd5ff47ebf7c5" providerId="LiveId" clId="{D820C968-7779-6844-BB14-275B517D3871}" dt="2024-03-10T21:24:05.086" v="107" actId="1076"/>
+          <ac:picMkLst>
+            <pc:docMk/>
+            <pc:sldMk cId="588767186" sldId="256"/>
+            <ac:picMk id="34" creationId="{96E3D40B-F6C4-0689-DA89-0B1E2F8FEC15}"/>
+          </ac:picMkLst>
+        </pc:picChg>
+      </pc:sldChg>
+    </pc:docChg>
+  </pc:docChgLst>
 </pc:chgInfo>
 </file>
 
@@ -304,7 +584,7 @@
           <a:p>
             <a:fld id="{22FB68C6-E3E1-6342-8C42-7E14A771502B}" type="datetimeFigureOut">
               <a:rPr lang="de-DE" smtClean="0"/>
-              <a:t>27.12.23</a:t>
+              <a:t>10.03.24</a:t>
             </a:fld>
             <a:endParaRPr lang="de-DE"/>
           </a:p>
@@ -502,7 +782,7 @@
           <a:p>
             <a:fld id="{22FB68C6-E3E1-6342-8C42-7E14A771502B}" type="datetimeFigureOut">
               <a:rPr lang="de-DE" smtClean="0"/>
-              <a:t>27.12.23</a:t>
+              <a:t>10.03.24</a:t>
             </a:fld>
             <a:endParaRPr lang="de-DE"/>
           </a:p>
@@ -710,7 +990,7 @@
           <a:p>
             <a:fld id="{22FB68C6-E3E1-6342-8C42-7E14A771502B}" type="datetimeFigureOut">
               <a:rPr lang="de-DE" smtClean="0"/>
-              <a:t>27.12.23</a:t>
+              <a:t>10.03.24</a:t>
             </a:fld>
             <a:endParaRPr lang="de-DE"/>
           </a:p>
@@ -908,7 +1188,7 @@
           <a:p>
             <a:fld id="{22FB68C6-E3E1-6342-8C42-7E14A771502B}" type="datetimeFigureOut">
               <a:rPr lang="de-DE" smtClean="0"/>
-              <a:t>27.12.23</a:t>
+              <a:t>10.03.24</a:t>
             </a:fld>
             <a:endParaRPr lang="de-DE"/>
           </a:p>
@@ -1183,7 +1463,7 @@
           <a:p>
             <a:fld id="{22FB68C6-E3E1-6342-8C42-7E14A771502B}" type="datetimeFigureOut">
               <a:rPr lang="de-DE" smtClean="0"/>
-              <a:t>27.12.23</a:t>
+              <a:t>10.03.24</a:t>
             </a:fld>
             <a:endParaRPr lang="de-DE"/>
           </a:p>
@@ -1448,7 +1728,7 @@
           <a:p>
             <a:fld id="{22FB68C6-E3E1-6342-8C42-7E14A771502B}" type="datetimeFigureOut">
               <a:rPr lang="de-DE" smtClean="0"/>
-              <a:t>27.12.23</a:t>
+              <a:t>10.03.24</a:t>
             </a:fld>
             <a:endParaRPr lang="de-DE"/>
           </a:p>
@@ -1860,7 +2140,7 @@
           <a:p>
             <a:fld id="{22FB68C6-E3E1-6342-8C42-7E14A771502B}" type="datetimeFigureOut">
               <a:rPr lang="de-DE" smtClean="0"/>
-              <a:t>27.12.23</a:t>
+              <a:t>10.03.24</a:t>
             </a:fld>
             <a:endParaRPr lang="de-DE"/>
           </a:p>
@@ -2001,7 +2281,7 @@
           <a:p>
             <a:fld id="{22FB68C6-E3E1-6342-8C42-7E14A771502B}" type="datetimeFigureOut">
               <a:rPr lang="de-DE" smtClean="0"/>
-              <a:t>27.12.23</a:t>
+              <a:t>10.03.24</a:t>
             </a:fld>
             <a:endParaRPr lang="de-DE"/>
           </a:p>
@@ -2114,7 +2394,7 @@
           <a:p>
             <a:fld id="{22FB68C6-E3E1-6342-8C42-7E14A771502B}" type="datetimeFigureOut">
               <a:rPr lang="de-DE" smtClean="0"/>
-              <a:t>27.12.23</a:t>
+              <a:t>10.03.24</a:t>
             </a:fld>
             <a:endParaRPr lang="de-DE"/>
           </a:p>
@@ -2425,7 +2705,7 @@
           <a:p>
             <a:fld id="{22FB68C6-E3E1-6342-8C42-7E14A771502B}" type="datetimeFigureOut">
               <a:rPr lang="de-DE" smtClean="0"/>
-              <a:t>27.12.23</a:t>
+              <a:t>10.03.24</a:t>
             </a:fld>
             <a:endParaRPr lang="de-DE"/>
           </a:p>
@@ -2713,7 +2993,7 @@
           <a:p>
             <a:fld id="{22FB68C6-E3E1-6342-8C42-7E14A771502B}" type="datetimeFigureOut">
               <a:rPr lang="de-DE" smtClean="0"/>
-              <a:t>27.12.23</a:t>
+              <a:t>10.03.24</a:t>
             </a:fld>
             <a:endParaRPr lang="de-DE"/>
           </a:p>
@@ -2954,7 +3234,7 @@
           <a:p>
             <a:fld id="{22FB68C6-E3E1-6342-8C42-7E14A771502B}" type="datetimeFigureOut">
               <a:rPr lang="de-DE" smtClean="0"/>
-              <a:t>27.12.23</a:t>
+              <a:t>10.03.24</a:t>
             </a:fld>
             <a:endParaRPr lang="de-DE"/>
           </a:p>
@@ -3360,7 +3640,10 @@
     <p:bg>
       <p:bgPr>
         <a:solidFill>
-          <a:schemeClr val="tx1"/>
+          <a:schemeClr val="tx1">
+            <a:lumMod val="65000"/>
+            <a:lumOff val="35000"/>
+          </a:schemeClr>
         </a:solidFill>
         <a:effectLst/>
       </p:bgPr>
@@ -3406,219 +3689,9 @@
           </a:stretch>
         </p:blipFill>
         <p:spPr>
-          <a:xfrm>
-            <a:off x="1336389" y="27951"/>
-            <a:ext cx="3462633" cy="6802097"/>
-          </a:xfrm>
-          <a:prstGeom prst="rect">
-            <a:avLst/>
-          </a:prstGeom>
-        </p:spPr>
-      </p:pic>
-      <p:pic>
-        <p:nvPicPr>
-          <p:cNvPr id="5" name="Grafik 4">
-            <a:extLst>
-              <a:ext uri="{FF2B5EF4-FFF2-40B4-BE49-F238E27FC236}">
-                <a16:creationId xmlns:a16="http://schemas.microsoft.com/office/drawing/2014/main" id="{2FCC08BB-3C1F-7E4F-F4CF-8C989B5F4A23}"/>
-              </a:ext>
-            </a:extLst>
-          </p:cNvPr>
-          <p:cNvPicPr>
-            <a:picLocks noChangeAspect="1"/>
-          </p:cNvPicPr>
-          <p:nvPr/>
-        </p:nvPicPr>
-        <p:blipFill>
-          <a:blip r:embed="rId4"/>
-          <a:stretch>
-            <a:fillRect/>
-          </a:stretch>
-        </p:blipFill>
-        <p:spPr>
-          <a:xfrm>
-            <a:off x="100899" y="132430"/>
-            <a:ext cx="1573993" cy="799639"/>
-          </a:xfrm>
-          <a:prstGeom prst="rect">
-            <a:avLst/>
-          </a:prstGeom>
-        </p:spPr>
-      </p:pic>
-      <p:pic>
-        <p:nvPicPr>
-          <p:cNvPr id="6" name="Grafik 5">
-            <a:extLst>
-              <a:ext uri="{FF2B5EF4-FFF2-40B4-BE49-F238E27FC236}">
-                <a16:creationId xmlns:a16="http://schemas.microsoft.com/office/drawing/2014/main" id="{A99F69C8-D606-04EE-13D3-2A6C6AC7DC2E}"/>
-              </a:ext>
-            </a:extLst>
-          </p:cNvPr>
-          <p:cNvPicPr>
-            <a:picLocks noChangeAspect="1"/>
-          </p:cNvPicPr>
-          <p:nvPr/>
-        </p:nvPicPr>
-        <p:blipFill>
-          <a:blip r:embed="rId4"/>
-          <a:stretch>
-            <a:fillRect/>
-          </a:stretch>
-        </p:blipFill>
-        <p:spPr>
-          <a:xfrm>
-            <a:off x="100899" y="1016350"/>
-            <a:ext cx="1573993" cy="799639"/>
-          </a:xfrm>
-          <a:prstGeom prst="rect">
-            <a:avLst/>
-          </a:prstGeom>
-        </p:spPr>
-      </p:pic>
-      <p:pic>
-        <p:nvPicPr>
-          <p:cNvPr id="7" name="Grafik 6">
-            <a:extLst>
-              <a:ext uri="{FF2B5EF4-FFF2-40B4-BE49-F238E27FC236}">
-                <a16:creationId xmlns:a16="http://schemas.microsoft.com/office/drawing/2014/main" id="{CB50E212-BB8F-9420-3A4A-7B75476030AA}"/>
-              </a:ext>
-            </a:extLst>
-          </p:cNvPr>
-          <p:cNvPicPr>
-            <a:picLocks noChangeAspect="1"/>
-          </p:cNvPicPr>
-          <p:nvPr/>
-        </p:nvPicPr>
-        <p:blipFill>
-          <a:blip r:embed="rId4"/>
-          <a:stretch>
-            <a:fillRect/>
-          </a:stretch>
-        </p:blipFill>
-        <p:spPr>
-          <a:xfrm>
-            <a:off x="100899" y="1900270"/>
-            <a:ext cx="1573993" cy="799639"/>
-          </a:xfrm>
-          <a:prstGeom prst="rect">
-            <a:avLst/>
-          </a:prstGeom>
-        </p:spPr>
-      </p:pic>
-      <p:pic>
-        <p:nvPicPr>
-          <p:cNvPr id="8" name="Grafik 7">
-            <a:extLst>
-              <a:ext uri="{FF2B5EF4-FFF2-40B4-BE49-F238E27FC236}">
-                <a16:creationId xmlns:a16="http://schemas.microsoft.com/office/drawing/2014/main" id="{69785555-62A0-2E30-A165-08E635C82D17}"/>
-              </a:ext>
-            </a:extLst>
-          </p:cNvPr>
-          <p:cNvPicPr>
-            <a:picLocks noChangeAspect="1"/>
-          </p:cNvPicPr>
-          <p:nvPr/>
-        </p:nvPicPr>
-        <p:blipFill>
-          <a:blip r:embed="rId4"/>
-          <a:stretch>
-            <a:fillRect/>
-          </a:stretch>
-        </p:blipFill>
-        <p:spPr>
-          <a:xfrm>
-            <a:off x="100899" y="2784190"/>
-            <a:ext cx="1573993" cy="799639"/>
-          </a:xfrm>
-          <a:prstGeom prst="rect">
-            <a:avLst/>
-          </a:prstGeom>
-        </p:spPr>
-      </p:pic>
-      <p:pic>
-        <p:nvPicPr>
-          <p:cNvPr id="9" name="Grafik 8">
-            <a:extLst>
-              <a:ext uri="{FF2B5EF4-FFF2-40B4-BE49-F238E27FC236}">
-                <a16:creationId xmlns:a16="http://schemas.microsoft.com/office/drawing/2014/main" id="{5D9976CB-9095-9FD3-20AE-0BE45885A760}"/>
-              </a:ext>
-            </a:extLst>
-          </p:cNvPr>
-          <p:cNvPicPr>
-            <a:picLocks noChangeAspect="1"/>
-          </p:cNvPicPr>
-          <p:nvPr/>
-        </p:nvPicPr>
-        <p:blipFill>
-          <a:blip r:embed="rId4"/>
-          <a:stretch>
-            <a:fillRect/>
-          </a:stretch>
-        </p:blipFill>
-        <p:spPr>
-          <a:xfrm>
-            <a:off x="100899" y="3668110"/>
-            <a:ext cx="1573993" cy="799639"/>
-          </a:xfrm>
-          <a:prstGeom prst="rect">
-            <a:avLst/>
-          </a:prstGeom>
-        </p:spPr>
-      </p:pic>
-      <p:pic>
-        <p:nvPicPr>
-          <p:cNvPr id="10" name="Grafik 9">
-            <a:extLst>
-              <a:ext uri="{FF2B5EF4-FFF2-40B4-BE49-F238E27FC236}">
-                <a16:creationId xmlns:a16="http://schemas.microsoft.com/office/drawing/2014/main" id="{A90EC522-B89F-F4CA-A91A-F86CF01F6A62}"/>
-              </a:ext>
-            </a:extLst>
-          </p:cNvPr>
-          <p:cNvPicPr>
-            <a:picLocks noChangeAspect="1"/>
-          </p:cNvPicPr>
-          <p:nvPr/>
-        </p:nvPicPr>
-        <p:blipFill>
-          <a:blip r:embed="rId4"/>
-          <a:stretch>
-            <a:fillRect/>
-          </a:stretch>
-        </p:blipFill>
-        <p:spPr>
-          <a:xfrm>
-            <a:off x="100899" y="5118538"/>
-            <a:ext cx="1573993" cy="799639"/>
-          </a:xfrm>
-          <a:prstGeom prst="rect">
-            <a:avLst/>
-          </a:prstGeom>
-        </p:spPr>
-      </p:pic>
-      <p:pic>
-        <p:nvPicPr>
-          <p:cNvPr id="11" name="Grafik 10">
-            <a:extLst>
-              <a:ext uri="{FF2B5EF4-FFF2-40B4-BE49-F238E27FC236}">
-                <a16:creationId xmlns:a16="http://schemas.microsoft.com/office/drawing/2014/main" id="{BB84B29D-0E2D-172E-40E6-3B521E33C6FD}"/>
-              </a:ext>
-            </a:extLst>
-          </p:cNvPr>
-          <p:cNvPicPr>
-            <a:picLocks noChangeAspect="1"/>
-          </p:cNvPicPr>
-          <p:nvPr/>
-        </p:nvPicPr>
-        <p:blipFill>
-          <a:blip r:embed="rId4"/>
-          <a:stretch>
-            <a:fillRect/>
-          </a:stretch>
-        </p:blipFill>
-        <p:spPr>
-          <a:xfrm>
-            <a:off x="100899" y="6002458"/>
-            <a:ext cx="1573993" cy="799639"/>
+          <a:xfrm rot="5400000">
+            <a:off x="1948217" y="1422923"/>
+            <a:ext cx="6350034" cy="3994826"/>
           </a:xfrm>
           <a:prstGeom prst="rect">
             <a:avLst/>
@@ -3645,6 +3718,9 @@
           <a:prstGeom prst="rightArrow">
             <a:avLst/>
           </a:prstGeom>
+          <a:solidFill>
+            <a:srgbClr val="0070C0"/>
+          </a:solidFill>
         </p:spPr>
         <p:style>
           <a:lnRef idx="2">
@@ -3688,12 +3764,15 @@
         </p:nvSpPr>
         <p:spPr>
           <a:xfrm>
-            <a:off x="1674892" y="1129236"/>
+            <a:off x="1639165" y="1078643"/>
             <a:ext cx="2125192" cy="573865"/>
           </a:xfrm>
           <a:prstGeom prst="rightArrow">
             <a:avLst/>
           </a:prstGeom>
+          <a:solidFill>
+            <a:srgbClr val="0070C0"/>
+          </a:solidFill>
         </p:spPr>
         <p:style>
           <a:lnRef idx="2">
@@ -3737,12 +3816,15 @@
         </p:nvSpPr>
         <p:spPr>
           <a:xfrm>
-            <a:off x="1674892" y="1971215"/>
+            <a:off x="1639165" y="1911970"/>
             <a:ext cx="2125192" cy="573865"/>
           </a:xfrm>
           <a:prstGeom prst="rightArrow">
             <a:avLst/>
           </a:prstGeom>
+          <a:solidFill>
+            <a:srgbClr val="0070C0"/>
+          </a:solidFill>
         </p:spPr>
         <p:style>
           <a:lnRef idx="2">
@@ -3786,12 +3868,15 @@
         </p:nvSpPr>
         <p:spPr>
           <a:xfrm>
-            <a:off x="1674892" y="2855135"/>
+            <a:off x="1639165" y="2745297"/>
             <a:ext cx="2125192" cy="573865"/>
           </a:xfrm>
           <a:prstGeom prst="rightArrow">
             <a:avLst/>
           </a:prstGeom>
+          <a:solidFill>
+            <a:srgbClr val="0070C0"/>
+          </a:solidFill>
         </p:spPr>
         <p:style>
           <a:lnRef idx="2">
@@ -3823,10 +3908,10 @@
       </p:sp>
       <p:sp>
         <p:nvSpPr>
-          <p:cNvPr id="19" name="Pfeil nach rechts 18">
-            <a:extLst>
-              <a:ext uri="{FF2B5EF4-FFF2-40B4-BE49-F238E27FC236}">
-                <a16:creationId xmlns:a16="http://schemas.microsoft.com/office/drawing/2014/main" id="{D0FAB003-A551-3C2B-684C-694A7813831A}"/>
+          <p:cNvPr id="21" name="Pfeil nach rechts 20">
+            <a:extLst>
+              <a:ext uri="{FF2B5EF4-FFF2-40B4-BE49-F238E27FC236}">
+                <a16:creationId xmlns:a16="http://schemas.microsoft.com/office/drawing/2014/main" id="{8E342AD3-41A7-220E-57FA-F36EDAA7406D}"/>
               </a:ext>
             </a:extLst>
           </p:cNvPr>
@@ -3835,12 +3920,15 @@
         </p:nvSpPr>
         <p:spPr>
           <a:xfrm>
-            <a:off x="1674892" y="5267785"/>
+            <a:off x="1639165" y="3578624"/>
             <a:ext cx="2125192" cy="573865"/>
           </a:xfrm>
           <a:prstGeom prst="rightArrow">
             <a:avLst/>
           </a:prstGeom>
+          <a:solidFill>
+            <a:srgbClr val="0070C0"/>
+          </a:solidFill>
         </p:spPr>
         <p:style>
           <a:lnRef idx="2">
@@ -3872,10 +3960,10 @@
       </p:sp>
       <p:sp>
         <p:nvSpPr>
-          <p:cNvPr id="20" name="Pfeil nach rechts 19">
-            <a:extLst>
-              <a:ext uri="{FF2B5EF4-FFF2-40B4-BE49-F238E27FC236}">
-                <a16:creationId xmlns:a16="http://schemas.microsoft.com/office/drawing/2014/main" id="{AE3BB1D2-BD57-9CD1-E3F9-39469C4BA615}"/>
+          <p:cNvPr id="23" name="Magnetplattenspeicher 22">
+            <a:extLst>
+              <a:ext uri="{FF2B5EF4-FFF2-40B4-BE49-F238E27FC236}">
+                <a16:creationId xmlns:a16="http://schemas.microsoft.com/office/drawing/2014/main" id="{4990D812-21F1-4ED0-B1C4-1611E2A18E94}"/>
               </a:ext>
             </a:extLst>
           </p:cNvPr>
@@ -3884,12 +3972,15 @@
         </p:nvSpPr>
         <p:spPr>
           <a:xfrm>
-            <a:off x="1674892" y="6151705"/>
-            <a:ext cx="2125192" cy="573865"/>
+            <a:off x="6769953" y="4092281"/>
+            <a:ext cx="2402665" cy="913349"/>
           </a:xfrm>
-          <a:prstGeom prst="rightArrow">
+          <a:prstGeom prst="flowChartMagneticDisk">
             <a:avLst/>
           </a:prstGeom>
+          <a:solidFill>
+            <a:srgbClr val="7030A0"/>
+          </a:solidFill>
         </p:spPr>
         <p:style>
           <a:lnRef idx="2">
@@ -3913,18 +4004,34 @@
           <a:p>
             <a:pPr algn="ctr"/>
             <a:r>
-              <a:rPr lang="de-DE" dirty="0"/>
-              <a:t>MQTT</a:t>
-            </a:r>
-          </a:p>
-        </p:txBody>
-      </p:sp>
-      <p:sp>
-        <p:nvSpPr>
-          <p:cNvPr id="21" name="Pfeil nach rechts 20">
-            <a:extLst>
-              <a:ext uri="{FF2B5EF4-FFF2-40B4-BE49-F238E27FC236}">
-                <a16:creationId xmlns:a16="http://schemas.microsoft.com/office/drawing/2014/main" id="{8E342AD3-41A7-220E-57FA-F36EDAA7406D}"/>
+              <a:rPr lang="de-DE" i="1" dirty="0"/>
+              <a:t>MQTT Broker</a:t>
+            </a:r>
+          </a:p>
+          <a:p>
+            <a:pPr algn="ctr"/>
+            <a:r>
+              <a:rPr lang="de-DE" i="1" dirty="0"/>
+              <a:t>(</a:t>
+            </a:r>
+            <a:r>
+              <a:rPr lang="de-DE" i="1" dirty="0" err="1"/>
+              <a:t>mosquitto</a:t>
+            </a:r>
+            <a:r>
+              <a:rPr lang="de-DE" i="1" dirty="0"/>
+              <a:t>)</a:t>
+            </a:r>
+            <a:endParaRPr lang="de-DE" dirty="0"/>
+          </a:p>
+        </p:txBody>
+      </p:sp>
+      <p:sp>
+        <p:nvSpPr>
+          <p:cNvPr id="25" name="Magnetplattenspeicher 24">
+            <a:extLst>
+              <a:ext uri="{FF2B5EF4-FFF2-40B4-BE49-F238E27FC236}">
+                <a16:creationId xmlns:a16="http://schemas.microsoft.com/office/drawing/2014/main" id="{112CCA91-C306-A0CF-B80A-FAEC8C52949D}"/>
               </a:ext>
             </a:extLst>
           </p:cNvPr>
@@ -3933,12 +4040,15 @@
         </p:nvSpPr>
         <p:spPr>
           <a:xfrm>
-            <a:off x="1674892" y="3817357"/>
-            <a:ext cx="2125192" cy="573865"/>
+            <a:off x="6769951" y="2084837"/>
+            <a:ext cx="2402665" cy="913349"/>
           </a:xfrm>
-          <a:prstGeom prst="rightArrow">
+          <a:prstGeom prst="flowChartMagneticDisk">
             <a:avLst/>
           </a:prstGeom>
+          <a:solidFill>
+            <a:srgbClr val="7030A0"/>
+          </a:solidFill>
         </p:spPr>
         <p:style>
           <a:lnRef idx="2">
@@ -3962,18 +4072,19 @@
           <a:p>
             <a:pPr algn="ctr"/>
             <a:r>
-              <a:rPr lang="de-DE" dirty="0"/>
-              <a:t>MQTT</a:t>
-            </a:r>
-          </a:p>
-        </p:txBody>
-      </p:sp>
-      <p:sp>
-        <p:nvSpPr>
-          <p:cNvPr id="23" name="Magnetplattenspeicher 22">
-            <a:extLst>
-              <a:ext uri="{FF2B5EF4-FFF2-40B4-BE49-F238E27FC236}">
-                <a16:creationId xmlns:a16="http://schemas.microsoft.com/office/drawing/2014/main" id="{4990D812-21F1-4ED0-B1C4-1611E2A18E94}"/>
+              <a:rPr lang="de-DE" dirty="0" err="1"/>
+              <a:t>InfluxDB</a:t>
+            </a:r>
+            <a:endParaRPr lang="de-DE" dirty="0"/>
+          </a:p>
+        </p:txBody>
+      </p:sp>
+      <p:sp>
+        <p:nvSpPr>
+          <p:cNvPr id="26" name="Magnetplattenspeicher 25">
+            <a:extLst>
+              <a:ext uri="{FF2B5EF4-FFF2-40B4-BE49-F238E27FC236}">
+                <a16:creationId xmlns:a16="http://schemas.microsoft.com/office/drawing/2014/main" id="{F30B6720-FF59-4032-4FB6-9A6EA4FE3373}"/>
               </a:ext>
             </a:extLst>
           </p:cNvPr>
@@ -3982,12 +4093,15 @@
         </p:nvSpPr>
         <p:spPr>
           <a:xfrm>
-            <a:off x="6646741" y="3102428"/>
-            <a:ext cx="2402665" cy="1621972"/>
+            <a:off x="6769950" y="1079331"/>
+            <a:ext cx="2402665" cy="913349"/>
           </a:xfrm>
           <a:prstGeom prst="flowChartMagneticDisk">
             <a:avLst/>
           </a:prstGeom>
+          <a:solidFill>
+            <a:srgbClr val="7030A0"/>
+          </a:solidFill>
         </p:spPr>
         <p:style>
           <a:lnRef idx="2">
@@ -4011,18 +4125,8 @@
           <a:p>
             <a:pPr algn="ctr"/>
             <a:r>
-              <a:rPr lang="de-DE" i="1" dirty="0"/>
-              <a:t>MQTT Broker Plugin</a:t>
-            </a:r>
-            <a:br>
-              <a:rPr lang="de-DE" i="1" dirty="0"/>
-            </a:br>
-            <a:br>
-              <a:rPr lang="de-DE" dirty="0"/>
-            </a:br>
-            <a:r>
               <a:rPr lang="de-DE" dirty="0" err="1"/>
-              <a:t>ioBroker</a:t>
+              <a:t>Grafana</a:t>
             </a:r>
             <a:endParaRPr lang="de-DE" dirty="0"/>
           </a:p>
@@ -4030,10 +4134,10 @@
       </p:sp>
       <p:sp>
         <p:nvSpPr>
-          <p:cNvPr id="25" name="Magnetplattenspeicher 24">
-            <a:extLst>
-              <a:ext uri="{FF2B5EF4-FFF2-40B4-BE49-F238E27FC236}">
-                <a16:creationId xmlns:a16="http://schemas.microsoft.com/office/drawing/2014/main" id="{112CCA91-C306-A0CF-B80A-FAEC8C52949D}"/>
+          <p:cNvPr id="28" name="Pfeil nach rechts 27">
+            <a:extLst>
+              <a:ext uri="{FF2B5EF4-FFF2-40B4-BE49-F238E27FC236}">
+                <a16:creationId xmlns:a16="http://schemas.microsoft.com/office/drawing/2014/main" id="{9399FA0F-0F91-EBF9-C1AE-A9D0533A27B6}"/>
               </a:ext>
             </a:extLst>
           </p:cNvPr>
@@ -4041,13 +4145,62 @@
           <p:nvPr/>
         </p:nvSpPr>
         <p:spPr>
-          <a:xfrm>
-            <a:off x="6646738" y="2426413"/>
-            <a:ext cx="2402665" cy="913349"/>
+          <a:xfrm rot="16200000">
+            <a:off x="7502912" y="2711253"/>
+            <a:ext cx="4450595" cy="573865"/>
           </a:xfrm>
-          <a:prstGeom prst="flowChartMagneticDisk">
+          <a:prstGeom prst="rightArrow">
             <a:avLst/>
           </a:prstGeom>
+        </p:spPr>
+        <p:style>
+          <a:lnRef idx="2">
+            <a:schemeClr val="accent6">
+              <a:shade val="15000"/>
+            </a:schemeClr>
+          </a:lnRef>
+          <a:fillRef idx="1">
+            <a:schemeClr val="accent6"/>
+          </a:fillRef>
+          <a:effectRef idx="0">
+            <a:schemeClr val="accent6"/>
+          </a:effectRef>
+          <a:fontRef idx="minor">
+            <a:schemeClr val="lt1"/>
+          </a:fontRef>
+        </p:style>
+        <p:txBody>
+          <a:bodyPr rtlCol="0" anchor="ctr"/>
+          <a:lstStyle/>
+          <a:p>
+            <a:pPr algn="ctr"/>
+            <a:endParaRPr lang="de-DE" dirty="0"/>
+          </a:p>
+        </p:txBody>
+      </p:sp>
+      <p:sp>
+        <p:nvSpPr>
+          <p:cNvPr id="2" name="Nach oben gebogener Pfeil 1">
+            <a:extLst>
+              <a:ext uri="{FF2B5EF4-FFF2-40B4-BE49-F238E27FC236}">
+                <a16:creationId xmlns:a16="http://schemas.microsoft.com/office/drawing/2014/main" id="{1DBA3D90-2618-AD01-B0FA-3029C3669B91}"/>
+              </a:ext>
+            </a:extLst>
+          </p:cNvPr>
+          <p:cNvSpPr/>
+          <p:nvPr/>
+        </p:nvSpPr>
+        <p:spPr>
+          <a:xfrm>
+            <a:off x="6608379" y="5005630"/>
+            <a:ext cx="1680732" cy="1314598"/>
+          </a:xfrm>
+          <a:prstGeom prst="bentUpArrow">
+            <a:avLst/>
+          </a:prstGeom>
+          <a:solidFill>
+            <a:srgbClr val="0070C0"/>
+          </a:solidFill>
         </p:spPr>
         <p:style>
           <a:lnRef idx="2">
@@ -4071,19 +4224,18 @@
           <a:p>
             <a:pPr algn="ctr"/>
             <a:r>
-              <a:rPr lang="de-DE" dirty="0" err="1"/>
-              <a:t>InfluxDB</a:t>
-            </a:r>
-            <a:endParaRPr lang="de-DE" dirty="0"/>
-          </a:p>
-        </p:txBody>
-      </p:sp>
-      <p:sp>
-        <p:nvSpPr>
-          <p:cNvPr id="26" name="Magnetplattenspeicher 25">
-            <a:extLst>
-              <a:ext uri="{FF2B5EF4-FFF2-40B4-BE49-F238E27FC236}">
-                <a16:creationId xmlns:a16="http://schemas.microsoft.com/office/drawing/2014/main" id="{F30B6720-FF59-4032-4FB6-9A6EA4FE3373}"/>
+              <a:rPr lang="de-DE" dirty="0"/>
+              <a:t>MQTT</a:t>
+            </a:r>
+          </a:p>
+        </p:txBody>
+      </p:sp>
+      <p:sp>
+        <p:nvSpPr>
+          <p:cNvPr id="3" name="Magnetplattenspeicher 2">
+            <a:extLst>
+              <a:ext uri="{FF2B5EF4-FFF2-40B4-BE49-F238E27FC236}">
+                <a16:creationId xmlns:a16="http://schemas.microsoft.com/office/drawing/2014/main" id="{6318DFDC-F39D-B42A-184D-38D9A2665DCE}"/>
               </a:ext>
             </a:extLst>
           </p:cNvPr>
@@ -4092,12 +4244,15 @@
         </p:nvSpPr>
         <p:spPr>
           <a:xfrm>
-            <a:off x="6646736" y="1815989"/>
+            <a:off x="6769952" y="3090343"/>
             <a:ext cx="2402665" cy="913349"/>
           </a:xfrm>
           <a:prstGeom prst="flowChartMagneticDisk">
             <a:avLst/>
           </a:prstGeom>
+          <a:solidFill>
+            <a:srgbClr val="7030A0"/>
+          </a:solidFill>
         </p:spPr>
         <p:style>
           <a:lnRef idx="2">
@@ -4121,19 +4276,108 @@
           <a:p>
             <a:pPr algn="ctr"/>
             <a:r>
-              <a:rPr lang="de-DE" dirty="0" err="1"/>
-              <a:t>Grafana</a:t>
-            </a:r>
-            <a:endParaRPr lang="de-DE" dirty="0"/>
-          </a:p>
-        </p:txBody>
-      </p:sp>
-      <p:sp>
-        <p:nvSpPr>
-          <p:cNvPr id="27" name="Pfeil nach rechts 26">
-            <a:extLst>
-              <a:ext uri="{FF2B5EF4-FFF2-40B4-BE49-F238E27FC236}">
-                <a16:creationId xmlns:a16="http://schemas.microsoft.com/office/drawing/2014/main" id="{04B3B152-AD13-1DC6-4DED-DF4BB5A923F9}"/>
+              <a:rPr lang="de-DE" dirty="0"/>
+              <a:t>Telegraf</a:t>
+            </a:r>
+          </a:p>
+        </p:txBody>
+      </p:sp>
+      <p:pic>
+        <p:nvPicPr>
+          <p:cNvPr id="12" name="Grafik 11">
+            <a:extLst>
+              <a:ext uri="{FF2B5EF4-FFF2-40B4-BE49-F238E27FC236}">
+                <a16:creationId xmlns:a16="http://schemas.microsoft.com/office/drawing/2014/main" id="{E555327F-2C22-4CD5-E1AC-3A5DE4AA1A7C}"/>
+              </a:ext>
+            </a:extLst>
+          </p:cNvPr>
+          <p:cNvPicPr>
+            <a:picLocks noChangeAspect="1"/>
+          </p:cNvPicPr>
+          <p:nvPr/>
+        </p:nvPicPr>
+        <p:blipFill>
+          <a:blip r:embed="rId4"/>
+          <a:stretch>
+            <a:fillRect/>
+          </a:stretch>
+        </p:blipFill>
+        <p:spPr>
+          <a:xfrm>
+            <a:off x="205577" y="132428"/>
+            <a:ext cx="1406438" cy="799640"/>
+          </a:xfrm>
+          <a:prstGeom prst="rect">
+            <a:avLst/>
+          </a:prstGeom>
+        </p:spPr>
+      </p:pic>
+      <p:pic>
+        <p:nvPicPr>
+          <p:cNvPr id="15" name="Grafik 14">
+            <a:extLst>
+              <a:ext uri="{FF2B5EF4-FFF2-40B4-BE49-F238E27FC236}">
+                <a16:creationId xmlns:a16="http://schemas.microsoft.com/office/drawing/2014/main" id="{FB636FA2-ECEC-BD3E-F20B-B4F4B46EC01F}"/>
+              </a:ext>
+            </a:extLst>
+          </p:cNvPr>
+          <p:cNvPicPr>
+            <a:picLocks noChangeAspect="1"/>
+          </p:cNvPicPr>
+          <p:nvPr/>
+        </p:nvPicPr>
+        <p:blipFill>
+          <a:blip r:embed="rId4"/>
+          <a:stretch>
+            <a:fillRect/>
+          </a:stretch>
+        </p:blipFill>
+        <p:spPr>
+          <a:xfrm>
+            <a:off x="178450" y="974956"/>
+            <a:ext cx="1406438" cy="799640"/>
+          </a:xfrm>
+          <a:prstGeom prst="rect">
+            <a:avLst/>
+          </a:prstGeom>
+        </p:spPr>
+      </p:pic>
+      <p:pic>
+        <p:nvPicPr>
+          <p:cNvPr id="22" name="Grafik 21">
+            <a:extLst>
+              <a:ext uri="{FF2B5EF4-FFF2-40B4-BE49-F238E27FC236}">
+                <a16:creationId xmlns:a16="http://schemas.microsoft.com/office/drawing/2014/main" id="{4BC6A5B0-0439-71C0-BECF-CDEB43A6F2DC}"/>
+              </a:ext>
+            </a:extLst>
+          </p:cNvPr>
+          <p:cNvPicPr>
+            <a:picLocks noChangeAspect="1"/>
+          </p:cNvPicPr>
+          <p:nvPr/>
+        </p:nvPicPr>
+        <p:blipFill>
+          <a:blip r:embed="rId4"/>
+          <a:stretch>
+            <a:fillRect/>
+          </a:stretch>
+        </p:blipFill>
+        <p:spPr>
+          <a:xfrm>
+            <a:off x="134123" y="1858327"/>
+            <a:ext cx="1406438" cy="799640"/>
+          </a:xfrm>
+          <a:prstGeom prst="rect">
+            <a:avLst/>
+          </a:prstGeom>
+        </p:spPr>
+      </p:pic>
+      <p:sp>
+        <p:nvSpPr>
+          <p:cNvPr id="29" name="Pfeil nach rechts 28">
+            <a:extLst>
+              <a:ext uri="{FF2B5EF4-FFF2-40B4-BE49-F238E27FC236}">
+                <a16:creationId xmlns:a16="http://schemas.microsoft.com/office/drawing/2014/main" id="{63FD6B1B-7569-3DD7-2D47-4084C4803444}"/>
               </a:ext>
             </a:extLst>
           </p:cNvPr>
@@ -4141,13 +4385,16 @@
           <p:nvPr/>
         </p:nvSpPr>
         <p:spPr>
-          <a:xfrm rot="16200000">
-            <a:off x="6755366" y="5337557"/>
+          <a:xfrm>
+            <a:off x="1639165" y="5205492"/>
             <a:ext cx="2125192" cy="573865"/>
           </a:xfrm>
           <a:prstGeom prst="rightArrow">
             <a:avLst/>
           </a:prstGeom>
+          <a:solidFill>
+            <a:srgbClr val="0070C0"/>
+          </a:solidFill>
         </p:spPr>
         <p:style>
           <a:lnRef idx="2">
@@ -4179,10 +4426,10 @@
       </p:sp>
       <p:sp>
         <p:nvSpPr>
-          <p:cNvPr id="28" name="Pfeil nach rechts 27">
-            <a:extLst>
-              <a:ext uri="{FF2B5EF4-FFF2-40B4-BE49-F238E27FC236}">
-                <a16:creationId xmlns:a16="http://schemas.microsoft.com/office/drawing/2014/main" id="{9399FA0F-0F91-EBF9-C1AE-A9D0533A27B6}"/>
+          <p:cNvPr id="30" name="Pfeil nach rechts 29">
+            <a:extLst>
+              <a:ext uri="{FF2B5EF4-FFF2-40B4-BE49-F238E27FC236}">
+                <a16:creationId xmlns:a16="http://schemas.microsoft.com/office/drawing/2014/main" id="{B0FF461C-9CEA-E98A-52A7-FCDEB2098B57}"/>
               </a:ext>
             </a:extLst>
           </p:cNvPr>
@@ -4190,13 +4437,16 @@
           <p:nvPr/>
         </p:nvSpPr>
         <p:spPr>
-          <a:xfrm rot="16200000">
-            <a:off x="5258850" y="2897076"/>
+          <a:xfrm>
+            <a:off x="1639165" y="6038819"/>
             <a:ext cx="2125192" cy="573865"/>
           </a:xfrm>
           <a:prstGeom prst="rightArrow">
             <a:avLst/>
           </a:prstGeom>
+          <a:solidFill>
+            <a:srgbClr val="0070C0"/>
+          </a:solidFill>
         </p:spPr>
         <p:style>
           <a:lnRef idx="2">
@@ -4219,10 +4469,133 @@
           <a:lstStyle/>
           <a:p>
             <a:pPr algn="ctr"/>
-            <a:endParaRPr lang="de-DE" dirty="0"/>
-          </a:p>
-        </p:txBody>
-      </p:sp>
+            <a:r>
+              <a:rPr lang="de-DE" dirty="0"/>
+              <a:t>MQTT</a:t>
+            </a:r>
+          </a:p>
+        </p:txBody>
+      </p:sp>
+      <p:pic>
+        <p:nvPicPr>
+          <p:cNvPr id="31" name="Grafik 30">
+            <a:extLst>
+              <a:ext uri="{FF2B5EF4-FFF2-40B4-BE49-F238E27FC236}">
+                <a16:creationId xmlns:a16="http://schemas.microsoft.com/office/drawing/2014/main" id="{496FDBAD-EAD7-FCEE-2662-7E274E93735D}"/>
+              </a:ext>
+            </a:extLst>
+          </p:cNvPr>
+          <p:cNvPicPr>
+            <a:picLocks noChangeAspect="1"/>
+          </p:cNvPicPr>
+          <p:nvPr/>
+        </p:nvPicPr>
+        <p:blipFill>
+          <a:blip r:embed="rId4"/>
+          <a:stretch>
+            <a:fillRect/>
+          </a:stretch>
+        </p:blipFill>
+        <p:spPr>
+          <a:xfrm>
+            <a:off x="134123" y="2649647"/>
+            <a:ext cx="1406438" cy="799640"/>
+          </a:xfrm>
+          <a:prstGeom prst="rect">
+            <a:avLst/>
+          </a:prstGeom>
+        </p:spPr>
+      </p:pic>
+      <p:pic>
+        <p:nvPicPr>
+          <p:cNvPr id="32" name="Grafik 31">
+            <a:extLst>
+              <a:ext uri="{FF2B5EF4-FFF2-40B4-BE49-F238E27FC236}">
+                <a16:creationId xmlns:a16="http://schemas.microsoft.com/office/drawing/2014/main" id="{B2B69CE7-329B-0F4C-5D06-7CEBB953FBE9}"/>
+              </a:ext>
+            </a:extLst>
+          </p:cNvPr>
+          <p:cNvPicPr>
+            <a:picLocks noChangeAspect="1"/>
+          </p:cNvPicPr>
+          <p:nvPr/>
+        </p:nvPicPr>
+        <p:blipFill>
+          <a:blip r:embed="rId4"/>
+          <a:stretch>
+            <a:fillRect/>
+          </a:stretch>
+        </p:blipFill>
+        <p:spPr>
+          <a:xfrm>
+            <a:off x="89796" y="3533018"/>
+            <a:ext cx="1406438" cy="799640"/>
+          </a:xfrm>
+          <a:prstGeom prst="rect">
+            <a:avLst/>
+          </a:prstGeom>
+        </p:spPr>
+      </p:pic>
+      <p:pic>
+        <p:nvPicPr>
+          <p:cNvPr id="33" name="Grafik 32">
+            <a:extLst>
+              <a:ext uri="{FF2B5EF4-FFF2-40B4-BE49-F238E27FC236}">
+                <a16:creationId xmlns:a16="http://schemas.microsoft.com/office/drawing/2014/main" id="{F4927B21-2950-1FC3-737E-906D9FC97EC1}"/>
+              </a:ext>
+            </a:extLst>
+          </p:cNvPr>
+          <p:cNvPicPr>
+            <a:picLocks noChangeAspect="1"/>
+          </p:cNvPicPr>
+          <p:nvPr/>
+        </p:nvPicPr>
+        <p:blipFill>
+          <a:blip r:embed="rId4"/>
+          <a:stretch>
+            <a:fillRect/>
+          </a:stretch>
+        </p:blipFill>
+        <p:spPr>
+          <a:xfrm>
+            <a:off x="135200" y="5038086"/>
+            <a:ext cx="1406438" cy="799640"/>
+          </a:xfrm>
+          <a:prstGeom prst="rect">
+            <a:avLst/>
+          </a:prstGeom>
+        </p:spPr>
+      </p:pic>
+      <p:pic>
+        <p:nvPicPr>
+          <p:cNvPr id="34" name="Grafik 33">
+            <a:extLst>
+              <a:ext uri="{FF2B5EF4-FFF2-40B4-BE49-F238E27FC236}">
+                <a16:creationId xmlns:a16="http://schemas.microsoft.com/office/drawing/2014/main" id="{96E3D40B-F6C4-0689-DA89-0B1E2F8FEC15}"/>
+              </a:ext>
+            </a:extLst>
+          </p:cNvPr>
+          <p:cNvPicPr>
+            <a:picLocks noChangeAspect="1"/>
+          </p:cNvPicPr>
+          <p:nvPr/>
+        </p:nvPicPr>
+        <p:blipFill>
+          <a:blip r:embed="rId4"/>
+          <a:stretch>
+            <a:fillRect/>
+          </a:stretch>
+        </p:blipFill>
+        <p:spPr>
+          <a:xfrm>
+            <a:off x="90873" y="5921457"/>
+            <a:ext cx="1406438" cy="799640"/>
+          </a:xfrm>
+          <a:prstGeom prst="rect">
+            <a:avLst/>
+          </a:prstGeom>
+        </p:spPr>
+      </p:pic>
     </p:spTree>
     <p:extLst>
       <p:ext uri="{BB962C8B-B14F-4D97-AF65-F5344CB8AC3E}">
